--- a/ppt/HomeCreditDashboard.pptx
+++ b/ppt/HomeCreditDashboard.pptx
@@ -2485,23 +2485,23 @@
         <a:lstStyle/>
         <a:p>
           <a:r>
-            <a:rPr lang="en-GB" sz="1600" b="1" kern="1200" dirty="0">
+            <a:rPr lang="en-GB" sz="1400" b="1" kern="1200" dirty="0">
               <a:solidFill>
                 <a:schemeClr val="tx1"/>
               </a:solidFill>
-              <a:latin typeface="Calibri" panose="020F0502020204030204" pitchFamily="34" charset="0"/>
+              <a:latin typeface="Arial" panose="020B0604020202020204" pitchFamily="34" charset="0"/>
               <a:ea typeface="+mn-ea"/>
-              <a:cs typeface="+mn-cs"/>
+              <a:cs typeface="Arial" panose="020B0604020202020204" pitchFamily="34" charset="0"/>
             </a:rPr>
             <a:t>Tables nettoyées &amp; fusionnées</a:t>
           </a:r>
-          <a:endParaRPr lang="fr-FR" sz="1600" b="1" kern="1200" dirty="0">
+          <a:endParaRPr lang="fr-FR" sz="1400" b="1" kern="1200" dirty="0">
             <a:solidFill>
               <a:schemeClr val="tx1"/>
             </a:solidFill>
-            <a:latin typeface="Calibri" panose="020F0502020204030204" pitchFamily="34" charset="0"/>
+            <a:latin typeface="Arial" panose="020B0604020202020204" pitchFamily="34" charset="0"/>
             <a:ea typeface="+mn-ea"/>
-            <a:cs typeface="+mn-cs"/>
+            <a:cs typeface="Arial" panose="020B0604020202020204" pitchFamily="34" charset="0"/>
           </a:endParaRPr>
         </a:p>
       </dgm:t>
@@ -3446,12 +3446,12 @@
         <a:fontRef idx="minor"/>
       </dsp:style>
       <dsp:txBody>
-        <a:bodyPr spcFirstLastPara="0" vert="horz" wrap="square" lIns="113792" tIns="113792" rIns="113792" bIns="113792" numCol="1" spcCol="1270" anchor="ctr" anchorCtr="0">
+        <a:bodyPr spcFirstLastPara="0" vert="horz" wrap="square" lIns="99568" tIns="99568" rIns="99568" bIns="99568" numCol="1" spcCol="1270" anchor="ctr" anchorCtr="0">
           <a:noAutofit/>
         </a:bodyPr>
         <a:lstStyle/>
         <a:p>
-          <a:pPr marL="0" lvl="0" indent="0" algn="ctr" defTabSz="711200">
+          <a:pPr marL="0" lvl="0" indent="0" algn="ctr" defTabSz="622300">
             <a:lnSpc>
               <a:spcPct val="90000"/>
             </a:lnSpc>
@@ -3464,23 +3464,23 @@
             <a:buNone/>
           </a:pPr>
           <a:r>
-            <a:rPr lang="en-GB" sz="1600" b="1" kern="1200" dirty="0">
+            <a:rPr lang="en-GB" sz="1400" b="1" kern="1200" dirty="0">
               <a:solidFill>
                 <a:schemeClr val="tx1"/>
               </a:solidFill>
-              <a:latin typeface="Calibri" panose="020F0502020204030204" pitchFamily="34" charset="0"/>
+              <a:latin typeface="Arial" panose="020B0604020202020204" pitchFamily="34" charset="0"/>
               <a:ea typeface="+mn-ea"/>
-              <a:cs typeface="+mn-cs"/>
+              <a:cs typeface="Arial" panose="020B0604020202020204" pitchFamily="34" charset="0"/>
             </a:rPr>
             <a:t>Tables nettoyées &amp; fusionnées</a:t>
           </a:r>
-          <a:endParaRPr lang="fr-FR" sz="1600" b="1" kern="1200" dirty="0">
+          <a:endParaRPr lang="fr-FR" sz="1400" b="1" kern="1200" dirty="0">
             <a:solidFill>
               <a:schemeClr val="tx1"/>
             </a:solidFill>
-            <a:latin typeface="Calibri" panose="020F0502020204030204" pitchFamily="34" charset="0"/>
+            <a:latin typeface="Arial" panose="020B0604020202020204" pitchFamily="34" charset="0"/>
             <a:ea typeface="+mn-ea"/>
-            <a:cs typeface="+mn-cs"/>
+            <a:cs typeface="Arial" panose="020B0604020202020204" pitchFamily="34" charset="0"/>
           </a:endParaRPr>
         </a:p>
       </dsp:txBody>
@@ -12557,6 +12557,529 @@
           </a:p>
         </p:txBody>
       </p:sp>
+      <p:cxnSp>
+        <p:nvCxnSpPr>
+          <p:cNvPr id="17" name="Connecteur droit 27">
+            <a:extLst>
+              <a:ext uri="{FF2B5EF4-FFF2-40B4-BE49-F238E27FC236}">
+                <a16:creationId xmlns:a16="http://schemas.microsoft.com/office/drawing/2014/main" id="{6AA53B96-0FE1-4C05-BD61-5057CA1FC4FA}"/>
+              </a:ext>
+            </a:extLst>
+          </p:cNvPr>
+          <p:cNvCxnSpPr>
+            <a:cxnSpLocks/>
+          </p:cNvCxnSpPr>
+          <p:nvPr/>
+        </p:nvCxnSpPr>
+        <p:spPr bwMode="auto">
+          <a:xfrm>
+            <a:off x="5864868" y="2694342"/>
+            <a:ext cx="0" cy="2858951"/>
+          </a:xfrm>
+          <a:prstGeom prst="line">
+            <a:avLst/>
+          </a:prstGeom>
+          <a:ln w="15875">
+            <a:solidFill>
+              <a:srgbClr val="AE1E37">
+                <a:alpha val="79000"/>
+              </a:srgbClr>
+            </a:solidFill>
+          </a:ln>
+        </p:spPr>
+        <p:style>
+          <a:lnRef idx="1">
+            <a:schemeClr val="dk1"/>
+          </a:lnRef>
+          <a:fillRef idx="0">
+            <a:schemeClr val="dk1"/>
+          </a:fillRef>
+          <a:effectRef idx="0">
+            <a:schemeClr val="dk1"/>
+          </a:effectRef>
+          <a:fontRef idx="minor">
+            <a:schemeClr val="tx1"/>
+          </a:fontRef>
+        </p:style>
+      </p:cxnSp>
+      <p:pic>
+        <p:nvPicPr>
+          <p:cNvPr id="19" name="Picture 18" descr="A red and white sign&#10;&#10;Description automatically generated with low confidence">
+            <a:extLst>
+              <a:ext uri="{FF2B5EF4-FFF2-40B4-BE49-F238E27FC236}">
+                <a16:creationId xmlns:a16="http://schemas.microsoft.com/office/drawing/2014/main" id="{7D69A233-F64A-43EF-9B85-2BDE7002B3BF}"/>
+              </a:ext>
+            </a:extLst>
+          </p:cNvPr>
+          <p:cNvPicPr>
+            <a:picLocks noChangeAspect="1"/>
+          </p:cNvPicPr>
+          <p:nvPr/>
+        </p:nvPicPr>
+        <p:blipFill>
+          <a:blip r:embed="rId3">
+            <a:extLst>
+              <a:ext uri="{BEBA8EAE-BF5A-486C-A8C5-ECC9F3942E4B}">
+                <a14:imgProps xmlns:a14="http://schemas.microsoft.com/office/drawing/2010/main">
+                  <a14:imgLayer r:embed="rId4">
+                    <a14:imgEffect>
+                      <a14:backgroundRemoval t="9899" b="89899" l="5500" r="94250">
+                        <a14:foregroundMark x1="16875" y1="35758" x2="16875" y2="35758"/>
+                        <a14:foregroundMark x1="5500" y1="36768" x2="5500" y2="36768"/>
+                        <a14:foregroundMark x1="5500" y1="36768" x2="5500" y2="36768"/>
+                        <a14:foregroundMark x1="26500" y1="29091" x2="26500" y2="29091"/>
+                        <a14:foregroundMark x1="34250" y1="41616" x2="34250" y2="41616"/>
+                        <a14:foregroundMark x1="50500" y1="55152" x2="50500" y2="55152"/>
+                        <a14:foregroundMark x1="27625" y1="65859" x2="27625" y2="65859"/>
+                        <a14:foregroundMark x1="15625" y1="58990" x2="15625" y2="58990"/>
+                        <a14:foregroundMark x1="70250" y1="65859" x2="70250" y2="65859"/>
+                        <a14:foregroundMark x1="77500" y1="67677" x2="77500" y2="67677"/>
+                        <a14:foregroundMark x1="90625" y1="61010" x2="90625" y2="61010"/>
+                        <a14:foregroundMark x1="94250" y1="57172" x2="94250" y2="57172"/>
+                        <a14:foregroundMark x1="82250" y1="43636" x2="82250" y2="43636"/>
+                      </a14:backgroundRemoval>
+                    </a14:imgEffect>
+                  </a14:imgLayer>
+                </a14:imgProps>
+              </a:ext>
+              <a:ext uri="{28A0092B-C50C-407E-A947-70E740481C1C}">
+                <a14:useLocalDpi xmlns:a14="http://schemas.microsoft.com/office/drawing/2010/main" val="0"/>
+              </a:ext>
+            </a:extLst>
+          </a:blip>
+          <a:stretch>
+            <a:fillRect/>
+          </a:stretch>
+        </p:blipFill>
+        <p:spPr>
+          <a:xfrm>
+            <a:off x="877822" y="1192213"/>
+            <a:ext cx="1701932" cy="1053070"/>
+          </a:xfrm>
+          <a:prstGeom prst="rect">
+            <a:avLst/>
+          </a:prstGeom>
+        </p:spPr>
+      </p:pic>
+      <p:sp>
+        <p:nvSpPr>
+          <p:cNvPr id="21" name="TextBox 20">
+            <a:extLst>
+              <a:ext uri="{FF2B5EF4-FFF2-40B4-BE49-F238E27FC236}">
+                <a16:creationId xmlns:a16="http://schemas.microsoft.com/office/drawing/2014/main" id="{C697345C-E1D7-4A4B-8C5B-D62E27F2B105}"/>
+              </a:ext>
+            </a:extLst>
+          </p:cNvPr>
+          <p:cNvSpPr txBox="1"/>
+          <p:nvPr/>
+        </p:nvSpPr>
+        <p:spPr>
+          <a:xfrm>
+            <a:off x="1638300" y="2478408"/>
+            <a:ext cx="2231703" cy="461665"/>
+          </a:xfrm>
+          <a:prstGeom prst="rect">
+            <a:avLst/>
+          </a:prstGeom>
+          <a:noFill/>
+        </p:spPr>
+        <p:txBody>
+          <a:bodyPr wrap="square" rtlCol="0">
+            <a:spAutoFit/>
+          </a:bodyPr>
+          <a:lstStyle/>
+          <a:p>
+            <a:r>
+              <a:rPr lang="en-GB" sz="2400" b="1" dirty="0">
+                <a:latin typeface="Arial" panose="020B0604020202020204" pitchFamily="34" charset="0"/>
+                <a:cs typeface="Arial" panose="020B0604020202020204" pitchFamily="34" charset="0"/>
+              </a:rPr>
+              <a:t>LES LIMITES</a:t>
+            </a:r>
+            <a:endParaRPr lang="fr-FR" sz="5400" b="1" dirty="0">
+              <a:latin typeface="Arial" panose="020B0604020202020204" pitchFamily="34" charset="0"/>
+              <a:cs typeface="Arial" panose="020B0604020202020204" pitchFamily="34" charset="0"/>
+            </a:endParaRPr>
+          </a:p>
+        </p:txBody>
+      </p:sp>
+      <p:sp>
+        <p:nvSpPr>
+          <p:cNvPr id="22" name="TextBox 21">
+            <a:extLst>
+              <a:ext uri="{FF2B5EF4-FFF2-40B4-BE49-F238E27FC236}">
+                <a16:creationId xmlns:a16="http://schemas.microsoft.com/office/drawing/2014/main" id="{BBCB5A3B-A571-4D52-893D-40B250DE7CAE}"/>
+              </a:ext>
+            </a:extLst>
+          </p:cNvPr>
+          <p:cNvSpPr txBox="1"/>
+          <p:nvPr/>
+        </p:nvSpPr>
+        <p:spPr>
+          <a:xfrm>
+            <a:off x="7577463" y="2618905"/>
+            <a:ext cx="4041407" cy="461665"/>
+          </a:xfrm>
+          <a:prstGeom prst="rect">
+            <a:avLst/>
+          </a:prstGeom>
+          <a:noFill/>
+        </p:spPr>
+        <p:txBody>
+          <a:bodyPr wrap="square" rtlCol="0">
+            <a:spAutoFit/>
+          </a:bodyPr>
+          <a:lstStyle/>
+          <a:p>
+            <a:r>
+              <a:rPr lang="en-GB" sz="2400" b="1" dirty="0">
+                <a:latin typeface="Arial" panose="020B0604020202020204" pitchFamily="34" charset="0"/>
+                <a:cs typeface="Arial" panose="020B0604020202020204" pitchFamily="34" charset="0"/>
+              </a:rPr>
+              <a:t>LES AMELIORATION</a:t>
+            </a:r>
+            <a:endParaRPr lang="fr-FR" sz="5400" b="1" dirty="0">
+              <a:latin typeface="Arial" panose="020B0604020202020204" pitchFamily="34" charset="0"/>
+              <a:cs typeface="Arial" panose="020B0604020202020204" pitchFamily="34" charset="0"/>
+            </a:endParaRPr>
+          </a:p>
+        </p:txBody>
+      </p:sp>
+      <p:sp>
+        <p:nvSpPr>
+          <p:cNvPr id="29" name="Rectangle: Rounded Corners 28">
+            <a:extLst>
+              <a:ext uri="{FF2B5EF4-FFF2-40B4-BE49-F238E27FC236}">
+                <a16:creationId xmlns:a16="http://schemas.microsoft.com/office/drawing/2014/main" id="{AFD514A2-B44A-4AB2-9667-D59469016617}"/>
+              </a:ext>
+            </a:extLst>
+          </p:cNvPr>
+          <p:cNvSpPr/>
+          <p:nvPr/>
+        </p:nvSpPr>
+        <p:spPr>
+          <a:xfrm>
+            <a:off x="376761" y="3658418"/>
+            <a:ext cx="1960964" cy="760436"/>
+          </a:xfrm>
+          <a:prstGeom prst="roundRect">
+            <a:avLst/>
+          </a:prstGeom>
+          <a:solidFill>
+            <a:srgbClr val="C81130">
+              <a:alpha val="40000"/>
+            </a:srgbClr>
+          </a:solidFill>
+          <a:ln>
+            <a:noFill/>
+          </a:ln>
+          <a:effectLst>
+            <a:outerShdw blurRad="63500" dist="127000" dir="7920000" sx="105000" sy="105000" algn="ctr" rotWithShape="0">
+              <a:srgbClr val="000000">
+                <a:alpha val="37000"/>
+              </a:srgbClr>
+            </a:outerShdw>
+          </a:effectLst>
+        </p:spPr>
+        <p:style>
+          <a:lnRef idx="2">
+            <a:schemeClr val="accent1">
+              <a:shade val="50000"/>
+            </a:schemeClr>
+          </a:lnRef>
+          <a:fillRef idx="1">
+            <a:schemeClr val="accent1"/>
+          </a:fillRef>
+          <a:effectRef idx="0">
+            <a:schemeClr val="accent1"/>
+          </a:effectRef>
+          <a:fontRef idx="minor">
+            <a:schemeClr val="lt1"/>
+          </a:fontRef>
+        </p:style>
+        <p:txBody>
+          <a:bodyPr rtlCol="0" anchor="ctr"/>
+          <a:lstStyle/>
+          <a:p>
+            <a:pPr algn="ctr"/>
+            <a:r>
+              <a:rPr lang="fr-FR" sz="2400" dirty="0">
+                <a:latin typeface="Arial Black" panose="020B0A04020102020204" pitchFamily="34" charset="0"/>
+              </a:rPr>
+              <a:t>OVER FITTING</a:t>
+            </a:r>
+            <a:endParaRPr lang="fr-FR" sz="2400" dirty="0"/>
+          </a:p>
+        </p:txBody>
+      </p:sp>
+      <p:sp>
+        <p:nvSpPr>
+          <p:cNvPr id="30" name="Rectangle: Rounded Corners 29">
+            <a:extLst>
+              <a:ext uri="{FF2B5EF4-FFF2-40B4-BE49-F238E27FC236}">
+                <a16:creationId xmlns:a16="http://schemas.microsoft.com/office/drawing/2014/main" id="{BCCF734C-7517-4B82-905B-513A3CE2EF6C}"/>
+              </a:ext>
+            </a:extLst>
+          </p:cNvPr>
+          <p:cNvSpPr/>
+          <p:nvPr/>
+        </p:nvSpPr>
+        <p:spPr>
+          <a:xfrm>
+            <a:off x="3142589" y="3658418"/>
+            <a:ext cx="2088565" cy="837693"/>
+          </a:xfrm>
+          <a:prstGeom prst="roundRect">
+            <a:avLst/>
+          </a:prstGeom>
+          <a:solidFill>
+            <a:srgbClr val="C81130">
+              <a:alpha val="40000"/>
+            </a:srgbClr>
+          </a:solidFill>
+          <a:ln>
+            <a:noFill/>
+          </a:ln>
+          <a:effectLst>
+            <a:outerShdw blurRad="63500" dist="127000" dir="7920000" sx="105000" sy="105000" algn="ctr" rotWithShape="0">
+              <a:srgbClr val="000000">
+                <a:alpha val="37000"/>
+              </a:srgbClr>
+            </a:outerShdw>
+          </a:effectLst>
+        </p:spPr>
+        <p:style>
+          <a:lnRef idx="2">
+            <a:schemeClr val="accent1">
+              <a:shade val="50000"/>
+            </a:schemeClr>
+          </a:lnRef>
+          <a:fillRef idx="1">
+            <a:schemeClr val="accent1"/>
+          </a:fillRef>
+          <a:effectRef idx="0">
+            <a:schemeClr val="accent1"/>
+          </a:effectRef>
+          <a:fontRef idx="minor">
+            <a:schemeClr val="lt1"/>
+          </a:fontRef>
+        </p:style>
+        <p:txBody>
+          <a:bodyPr rtlCol="0" anchor="ctr"/>
+          <a:lstStyle/>
+          <a:p>
+            <a:pPr algn="ctr"/>
+            <a:r>
+              <a:rPr lang="fr-FR" sz="2000" dirty="0">
+                <a:latin typeface="Arial Black" panose="020B0A04020102020204" pitchFamily="34" charset="0"/>
+              </a:rPr>
+              <a:t>59 COLONNES</a:t>
+            </a:r>
+            <a:endParaRPr lang="fr-FR" sz="2000" dirty="0"/>
+          </a:p>
+        </p:txBody>
+      </p:sp>
+      <p:sp>
+        <p:nvSpPr>
+          <p:cNvPr id="31" name="Rectangle: Rounded Corners 30">
+            <a:extLst>
+              <a:ext uri="{FF2B5EF4-FFF2-40B4-BE49-F238E27FC236}">
+                <a16:creationId xmlns:a16="http://schemas.microsoft.com/office/drawing/2014/main" id="{01FA0329-3A3D-4038-89A1-2A2D91C7E54E}"/>
+              </a:ext>
+            </a:extLst>
+          </p:cNvPr>
+          <p:cNvSpPr/>
+          <p:nvPr/>
+        </p:nvSpPr>
+        <p:spPr>
+          <a:xfrm>
+            <a:off x="6717071" y="3735675"/>
+            <a:ext cx="1960964" cy="760436"/>
+          </a:xfrm>
+          <a:prstGeom prst="roundRect">
+            <a:avLst/>
+          </a:prstGeom>
+          <a:solidFill>
+            <a:srgbClr val="C81130">
+              <a:alpha val="40000"/>
+            </a:srgbClr>
+          </a:solidFill>
+          <a:ln>
+            <a:noFill/>
+          </a:ln>
+          <a:effectLst>
+            <a:outerShdw blurRad="63500" dist="127000" dir="7920000" sx="105000" sy="105000" algn="ctr" rotWithShape="0">
+              <a:srgbClr val="000000">
+                <a:alpha val="37000"/>
+              </a:srgbClr>
+            </a:outerShdw>
+          </a:effectLst>
+        </p:spPr>
+        <p:style>
+          <a:lnRef idx="2">
+            <a:schemeClr val="accent1">
+              <a:shade val="50000"/>
+            </a:schemeClr>
+          </a:lnRef>
+          <a:fillRef idx="1">
+            <a:schemeClr val="accent1"/>
+          </a:fillRef>
+          <a:effectRef idx="0">
+            <a:schemeClr val="accent1"/>
+          </a:effectRef>
+          <a:fontRef idx="minor">
+            <a:schemeClr val="lt1"/>
+          </a:fontRef>
+        </p:style>
+        <p:txBody>
+          <a:bodyPr rtlCol="0" anchor="ctr"/>
+          <a:lstStyle/>
+          <a:p>
+            <a:pPr algn="ctr"/>
+            <a:r>
+              <a:rPr lang="fr-FR" sz="2400" dirty="0">
+                <a:latin typeface="Arial Black" panose="020B0A04020102020204" pitchFamily="34" charset="0"/>
+              </a:rPr>
+              <a:t>SMOTE</a:t>
+            </a:r>
+            <a:endParaRPr lang="fr-FR" sz="2400" dirty="0"/>
+          </a:p>
+        </p:txBody>
+      </p:sp>
+      <p:sp>
+        <p:nvSpPr>
+          <p:cNvPr id="34" name="Rectangle: Rounded Corners 33">
+            <a:extLst>
+              <a:ext uri="{FF2B5EF4-FFF2-40B4-BE49-F238E27FC236}">
+                <a16:creationId xmlns:a16="http://schemas.microsoft.com/office/drawing/2014/main" id="{9E04CEFB-3813-4D15-8AA1-42456143335F}"/>
+              </a:ext>
+            </a:extLst>
+          </p:cNvPr>
+          <p:cNvSpPr/>
+          <p:nvPr/>
+        </p:nvSpPr>
+        <p:spPr>
+          <a:xfrm>
+            <a:off x="9598166" y="3743599"/>
+            <a:ext cx="1960964" cy="760436"/>
+          </a:xfrm>
+          <a:prstGeom prst="roundRect">
+            <a:avLst/>
+          </a:prstGeom>
+          <a:solidFill>
+            <a:srgbClr val="C81130">
+              <a:alpha val="40000"/>
+            </a:srgbClr>
+          </a:solidFill>
+          <a:ln>
+            <a:noFill/>
+          </a:ln>
+          <a:effectLst>
+            <a:outerShdw blurRad="63500" dist="127000" dir="7920000" sx="105000" sy="105000" algn="ctr" rotWithShape="0">
+              <a:srgbClr val="000000">
+                <a:alpha val="37000"/>
+              </a:srgbClr>
+            </a:outerShdw>
+          </a:effectLst>
+        </p:spPr>
+        <p:style>
+          <a:lnRef idx="2">
+            <a:schemeClr val="accent1">
+              <a:shade val="50000"/>
+            </a:schemeClr>
+          </a:lnRef>
+          <a:fillRef idx="1">
+            <a:schemeClr val="accent1"/>
+          </a:fillRef>
+          <a:effectRef idx="0">
+            <a:schemeClr val="accent1"/>
+          </a:effectRef>
+          <a:fontRef idx="minor">
+            <a:schemeClr val="lt1"/>
+          </a:fontRef>
+        </p:style>
+        <p:txBody>
+          <a:bodyPr rtlCol="0" anchor="ctr"/>
+          <a:lstStyle/>
+          <a:p>
+            <a:pPr algn="ctr"/>
+            <a:r>
+              <a:rPr lang="fr-FR" dirty="0">
+                <a:latin typeface="Arial Black" panose="020B0A04020102020204" pitchFamily="34" charset="0"/>
+              </a:rPr>
+              <a:t>FEATURE IMPORTANCE</a:t>
+            </a:r>
+            <a:endParaRPr lang="fr-FR" dirty="0"/>
+          </a:p>
+        </p:txBody>
+      </p:sp>
+      <p:sp>
+        <p:nvSpPr>
+          <p:cNvPr id="35" name="Rectangle: Rounded Corners 34">
+            <a:extLst>
+              <a:ext uri="{FF2B5EF4-FFF2-40B4-BE49-F238E27FC236}">
+                <a16:creationId xmlns:a16="http://schemas.microsoft.com/office/drawing/2014/main" id="{DE415772-6B92-49D7-AC55-3D71DF4DC76D}"/>
+              </a:ext>
+            </a:extLst>
+          </p:cNvPr>
+          <p:cNvSpPr/>
+          <p:nvPr/>
+        </p:nvSpPr>
+        <p:spPr>
+          <a:xfrm>
+            <a:off x="8158162" y="4981443"/>
+            <a:ext cx="1960964" cy="760436"/>
+          </a:xfrm>
+          <a:prstGeom prst="roundRect">
+            <a:avLst/>
+          </a:prstGeom>
+          <a:solidFill>
+            <a:srgbClr val="C81130">
+              <a:alpha val="40000"/>
+            </a:srgbClr>
+          </a:solidFill>
+          <a:ln>
+            <a:noFill/>
+          </a:ln>
+          <a:effectLst>
+            <a:outerShdw blurRad="63500" dist="127000" dir="7920000" sx="105000" sy="105000" algn="ctr" rotWithShape="0">
+              <a:srgbClr val="000000">
+                <a:alpha val="37000"/>
+              </a:srgbClr>
+            </a:outerShdw>
+          </a:effectLst>
+        </p:spPr>
+        <p:style>
+          <a:lnRef idx="2">
+            <a:schemeClr val="accent1">
+              <a:shade val="50000"/>
+            </a:schemeClr>
+          </a:lnRef>
+          <a:fillRef idx="1">
+            <a:schemeClr val="accent1"/>
+          </a:fillRef>
+          <a:effectRef idx="0">
+            <a:schemeClr val="accent1"/>
+          </a:effectRef>
+          <a:fontRef idx="minor">
+            <a:schemeClr val="lt1"/>
+          </a:fontRef>
+        </p:style>
+        <p:txBody>
+          <a:bodyPr rtlCol="0" anchor="ctr"/>
+          <a:lstStyle/>
+          <a:p>
+            <a:pPr algn="ctr"/>
+            <a:r>
+              <a:rPr lang="fr-FR" dirty="0">
+                <a:latin typeface="Arial Black" panose="020B0A04020102020204" pitchFamily="34" charset="0"/>
+              </a:rPr>
+              <a:t>FEATURE EGINEERING</a:t>
+            </a:r>
+            <a:endParaRPr lang="fr-FR" dirty="0"/>
+          </a:p>
+        </p:txBody>
+      </p:sp>
     </p:spTree>
     <p:extLst>
       <p:ext uri="{BB962C8B-B14F-4D97-AF65-F5344CB8AC3E}">
@@ -17010,7 +17533,7 @@
         </p:nvGrpSpPr>
         <p:grpSpPr bwMode="auto">
           <a:xfrm>
-            <a:off x="7790002" y="2735419"/>
+            <a:off x="7771340" y="2875378"/>
             <a:ext cx="276548" cy="343671"/>
             <a:chOff x="241454" y="2223972"/>
             <a:chExt cx="491841" cy="609931"/>
@@ -17226,7 +17749,7 @@
         </p:nvGrpSpPr>
         <p:grpSpPr bwMode="auto">
           <a:xfrm>
-            <a:off x="7729677" y="3057682"/>
+            <a:off x="7711015" y="3197641"/>
             <a:ext cx="1166155" cy="809954"/>
             <a:chOff x="3579326" y="1943564"/>
             <a:chExt cx="1647030" cy="1098020"/>
@@ -17331,7 +17854,7 @@
         </p:nvGrpSpPr>
         <p:grpSpPr bwMode="auto">
           <a:xfrm>
-            <a:off x="6203812" y="3756204"/>
+            <a:off x="6203812" y="3914821"/>
             <a:ext cx="304310" cy="376952"/>
             <a:chOff x="241454" y="2223972"/>
             <a:chExt cx="491841" cy="609931"/>
@@ -17560,7 +18083,7 @@
         </p:blipFill>
         <p:spPr bwMode="auto">
           <a:xfrm>
-            <a:off x="8351635" y="5336820"/>
+            <a:off x="8351635" y="5448791"/>
             <a:ext cx="665518" cy="639109"/>
           </a:xfrm>
           <a:prstGeom prst="rect">
@@ -17607,7 +18130,7 @@
         </p:nvGrpSpPr>
         <p:grpSpPr bwMode="auto">
           <a:xfrm>
-            <a:off x="7924249" y="5193724"/>
+            <a:off x="7924249" y="5305695"/>
             <a:ext cx="303145" cy="375868"/>
             <a:chOff x="241454" y="2223972"/>
             <a:chExt cx="491841" cy="609931"/>
@@ -17841,7 +18364,7 @@
         </p:blipFill>
         <p:spPr bwMode="auto">
           <a:xfrm>
-            <a:off x="6486526" y="4136653"/>
+            <a:off x="6486526" y="4295270"/>
             <a:ext cx="642034" cy="642034"/>
           </a:xfrm>
           <a:prstGeom prst="rect">
@@ -17886,8 +18409,8 @@
         </p:nvSpPr>
         <p:spPr>
           <a:xfrm>
-            <a:off x="7312391" y="2202586"/>
-            <a:ext cx="4041407" cy="400110"/>
+            <a:off x="7404909" y="1940006"/>
+            <a:ext cx="4041407" cy="769441"/>
           </a:xfrm>
           <a:prstGeom prst="rect">
             <a:avLst/>
@@ -17901,14 +18424,23 @@
           <a:lstStyle/>
           <a:p>
             <a:r>
-              <a:rPr lang="en-GB" sz="2000" b="1" dirty="0"/>
+              <a:rPr lang="en-GB" b="1" dirty="0">
+                <a:latin typeface="Arial" panose="020B0604020202020204" pitchFamily="34" charset="0"/>
+                <a:cs typeface="Arial" panose="020B0604020202020204" pitchFamily="34" charset="0"/>
+              </a:rPr>
               <a:t>Repartition des bases de </a:t>
             </a:r>
             <a:r>
-              <a:rPr lang="en-GB" sz="2000" b="1" dirty="0" err="1"/>
+              <a:rPr lang="en-GB" b="1" dirty="0" err="1">
+                <a:latin typeface="Arial" panose="020B0604020202020204" pitchFamily="34" charset="0"/>
+                <a:cs typeface="Arial" panose="020B0604020202020204" pitchFamily="34" charset="0"/>
+              </a:rPr>
               <a:t>données</a:t>
             </a:r>
-            <a:endParaRPr lang="fr-FR" sz="4800" b="1" dirty="0"/>
+            <a:endParaRPr lang="fr-FR" sz="4400" b="1" dirty="0">
+              <a:latin typeface="Arial" panose="020B0604020202020204" pitchFamily="34" charset="0"/>
+              <a:cs typeface="Arial" panose="020B0604020202020204" pitchFamily="34" charset="0"/>
+            </a:endParaRPr>
           </a:p>
         </p:txBody>
       </p:sp>
@@ -17926,8 +18458,8 @@
         </p:nvSpPr>
         <p:spPr>
           <a:xfrm>
-            <a:off x="8895832" y="3228945"/>
-            <a:ext cx="4041407" cy="400110"/>
+            <a:off x="8803259" y="3172770"/>
+            <a:ext cx="4041407" cy="769441"/>
           </a:xfrm>
           <a:prstGeom prst="rect">
             <a:avLst/>
@@ -17941,18 +18473,30 @@
           <a:lstStyle/>
           <a:p>
             <a:r>
-              <a:rPr lang="en-GB" sz="2000" b="1" dirty="0" err="1"/>
+              <a:rPr lang="en-GB" b="1" dirty="0" err="1">
+                <a:latin typeface="Arial" panose="020B0604020202020204" pitchFamily="34" charset="0"/>
+                <a:cs typeface="Arial" panose="020B0604020202020204" pitchFamily="34" charset="0"/>
+              </a:rPr>
               <a:t>Cleanning</a:t>
             </a:r>
             <a:r>
-              <a:rPr lang="en-GB" sz="2000" b="1" dirty="0"/>
+              <a:rPr lang="en-GB" b="1" dirty="0">
+                <a:latin typeface="Arial" panose="020B0604020202020204" pitchFamily="34" charset="0"/>
+                <a:cs typeface="Arial" panose="020B0604020202020204" pitchFamily="34" charset="0"/>
+              </a:rPr>
               <a:t>  &amp; </a:t>
             </a:r>
             <a:r>
-              <a:rPr lang="en-GB" sz="2000" b="1" dirty="0" err="1"/>
+              <a:rPr lang="en-GB" b="1" dirty="0" err="1">
+                <a:latin typeface="Arial" panose="020B0604020202020204" pitchFamily="34" charset="0"/>
+                <a:cs typeface="Arial" panose="020B0604020202020204" pitchFamily="34" charset="0"/>
+              </a:rPr>
               <a:t>traitement</a:t>
             </a:r>
-            <a:endParaRPr lang="fr-FR" sz="4800" b="1" dirty="0"/>
+            <a:endParaRPr lang="fr-FR" sz="4400" b="1" dirty="0">
+              <a:latin typeface="Arial" panose="020B0604020202020204" pitchFamily="34" charset="0"/>
+              <a:cs typeface="Arial" panose="020B0604020202020204" pitchFamily="34" charset="0"/>
+            </a:endParaRPr>
           </a:p>
         </p:txBody>
       </p:sp>
@@ -17970,8 +18514,8 @@
         </p:nvSpPr>
         <p:spPr>
           <a:xfrm>
-            <a:off x="7367588" y="4288552"/>
-            <a:ext cx="4041407" cy="400110"/>
+            <a:off x="7312393" y="4205654"/>
+            <a:ext cx="4041407" cy="769441"/>
           </a:xfrm>
           <a:prstGeom prst="rect">
             <a:avLst/>
@@ -17985,14 +18529,23 @@
           <a:lstStyle/>
           <a:p>
             <a:r>
-              <a:rPr lang="en-GB" sz="2000" b="1" dirty="0" err="1"/>
+              <a:rPr lang="en-GB" b="1" dirty="0" err="1">
+                <a:latin typeface="Arial" panose="020B0604020202020204" pitchFamily="34" charset="0"/>
+                <a:cs typeface="Arial" panose="020B0604020202020204" pitchFamily="34" charset="0"/>
+              </a:rPr>
               <a:t>Modélisations</a:t>
             </a:r>
             <a:r>
-              <a:rPr lang="en-GB" sz="2000" b="1" dirty="0"/>
+              <a:rPr lang="en-GB" b="1" dirty="0">
+                <a:latin typeface="Arial" panose="020B0604020202020204" pitchFamily="34" charset="0"/>
+                <a:cs typeface="Arial" panose="020B0604020202020204" pitchFamily="34" charset="0"/>
+              </a:rPr>
               <a:t> &amp; scoring</a:t>
             </a:r>
-            <a:endParaRPr lang="fr-FR" sz="4800" b="1" dirty="0"/>
+            <a:endParaRPr lang="fr-FR" sz="4400" b="1" dirty="0">
+              <a:latin typeface="Arial" panose="020B0604020202020204" pitchFamily="34" charset="0"/>
+              <a:cs typeface="Arial" panose="020B0604020202020204" pitchFamily="34" charset="0"/>
+            </a:endParaRPr>
           </a:p>
         </p:txBody>
       </p:sp>
@@ -18010,8 +18563,8 @@
         </p:nvSpPr>
         <p:spPr>
           <a:xfrm>
-            <a:off x="9215636" y="5445810"/>
-            <a:ext cx="4041407" cy="400110"/>
+            <a:off x="9297592" y="5261175"/>
+            <a:ext cx="4041407" cy="769441"/>
           </a:xfrm>
           <a:prstGeom prst="rect">
             <a:avLst/>
@@ -18025,10 +18578,16 @@
           <a:lstStyle/>
           <a:p>
             <a:r>
-              <a:rPr lang="en-GB" sz="2000" b="1" dirty="0" err="1"/>
+              <a:rPr lang="en-GB" b="1" dirty="0" err="1">
+                <a:latin typeface="Arial" panose="020B0604020202020204" pitchFamily="34" charset="0"/>
+                <a:cs typeface="Arial" panose="020B0604020202020204" pitchFamily="34" charset="0"/>
+              </a:rPr>
               <a:t>Livrable</a:t>
             </a:r>
-            <a:endParaRPr lang="fr-FR" sz="4800" b="1" dirty="0"/>
+            <a:endParaRPr lang="fr-FR" sz="4400" b="1" dirty="0">
+              <a:latin typeface="Arial" panose="020B0604020202020204" pitchFamily="34" charset="0"/>
+              <a:cs typeface="Arial" panose="020B0604020202020204" pitchFamily="34" charset="0"/>
+            </a:endParaRPr>
           </a:p>
         </p:txBody>
       </p:sp>
@@ -18171,7 +18730,7 @@
         <p:spPr>
           <a:xfrm>
             <a:off x="593144" y="2315567"/>
-            <a:ext cx="4383713" cy="923330"/>
+            <a:ext cx="4383713" cy="830997"/>
           </a:xfrm>
           <a:prstGeom prst="rect">
             <a:avLst/>
@@ -18186,15 +18745,24 @@
           <a:p>
             <a:pPr algn="just"/>
             <a:r>
-              <a:rPr lang="fr-FR" dirty="0"/>
+              <a:rPr lang="fr-FR" sz="1600" dirty="0">
+                <a:latin typeface="Arial" panose="020B0604020202020204" pitchFamily="34" charset="0"/>
+                <a:cs typeface="Arial" panose="020B0604020202020204" pitchFamily="34" charset="0"/>
+              </a:rPr>
               <a:t>Home </a:t>
             </a:r>
             <a:r>
-              <a:rPr lang="fr-FR" dirty="0" err="1"/>
+              <a:rPr lang="fr-FR" sz="1600" dirty="0" err="1">
+                <a:latin typeface="Arial" panose="020B0604020202020204" pitchFamily="34" charset="0"/>
+                <a:cs typeface="Arial" panose="020B0604020202020204" pitchFamily="34" charset="0"/>
+              </a:rPr>
               <a:t>Credit</a:t>
             </a:r>
             <a:r>
-              <a:rPr lang="fr-FR" dirty="0"/>
+              <a:rPr lang="fr-FR" sz="1600" dirty="0">
+                <a:latin typeface="Arial" panose="020B0604020202020204" pitchFamily="34" charset="0"/>
+                <a:cs typeface="Arial" panose="020B0604020202020204" pitchFamily="34" charset="0"/>
+              </a:rPr>
               <a:t> finance l'achat de biens de consommation par le biais d'une opération de prêt.</a:t>
             </a:r>
           </a:p>
@@ -18339,7 +18907,7 @@
         <p:spPr>
           <a:xfrm>
             <a:off x="606375" y="3465830"/>
-            <a:ext cx="4331280" cy="646331"/>
+            <a:ext cx="4331280" cy="584775"/>
           </a:xfrm>
           <a:prstGeom prst="rect">
             <a:avLst/>
@@ -18354,7 +18922,10 @@
           <a:p>
             <a:pPr algn="just"/>
             <a:r>
-              <a:rPr lang="fr-FR" dirty="0"/>
+              <a:rPr lang="fr-FR" sz="1600" dirty="0">
+                <a:latin typeface="Arial" panose="020B0604020202020204" pitchFamily="34" charset="0"/>
+                <a:cs typeface="Arial" panose="020B0604020202020204" pitchFamily="34" charset="0"/>
+              </a:rPr>
               <a:t>Méthodes statistiques et d'apprentissage automatique pour faire des prédictions. </a:t>
             </a:r>
           </a:p>
@@ -18375,7 +18946,7 @@
         <p:spPr>
           <a:xfrm>
             <a:off x="626686" y="4557627"/>
-            <a:ext cx="4566447" cy="923330"/>
+            <a:ext cx="4566447" cy="861774"/>
           </a:xfrm>
           <a:prstGeom prst="rect">
             <a:avLst/>
@@ -18389,12 +18960,18 @@
           <a:lstStyle/>
           <a:p>
             <a:r>
-              <a:rPr lang="fr-FR" dirty="0"/>
+              <a:rPr lang="fr-FR" sz="1600" dirty="0">
+                <a:latin typeface="Arial" panose="020B0604020202020204" pitchFamily="34" charset="0"/>
+                <a:cs typeface="Arial" panose="020B0604020202020204" pitchFamily="34" charset="0"/>
+              </a:rPr>
               <a:t>Les prêts sont accordés avec un capital, une échéance et un calendrier de remboursement.</a:t>
             </a:r>
           </a:p>
           <a:p>
-            <a:endParaRPr lang="fr-FR" dirty="0"/>
+            <a:endParaRPr lang="fr-FR" sz="1600" dirty="0">
+              <a:latin typeface="Arial" panose="020B0604020202020204" pitchFamily="34" charset="0"/>
+              <a:cs typeface="Arial" panose="020B0604020202020204" pitchFamily="34" charset="0"/>
+            </a:endParaRPr>
           </a:p>
         </p:txBody>
       </p:sp>
@@ -18413,7 +18990,7 @@
         <p:spPr>
           <a:xfrm>
             <a:off x="626686" y="5445728"/>
-            <a:ext cx="4477672" cy="646331"/>
+            <a:ext cx="4477672" cy="584775"/>
           </a:xfrm>
           <a:prstGeom prst="rect">
             <a:avLst/>
@@ -18427,7 +19004,10 @@
           <a:lstStyle/>
           <a:p>
             <a:r>
-              <a:rPr lang="fr-FR" dirty="0"/>
+              <a:rPr lang="fr-FR" sz="1600" dirty="0">
+                <a:latin typeface="Arial" panose="020B0604020202020204" pitchFamily="34" charset="0"/>
+                <a:cs typeface="Arial" panose="020B0604020202020204" pitchFamily="34" charset="0"/>
+              </a:rPr>
               <a:t>Garantir que les clients capables de rembourser ne sont pas rejetés.</a:t>
             </a:r>
           </a:p>
@@ -19656,8 +20236,8 @@
         </p:nvSpPr>
         <p:spPr bwMode="auto">
           <a:xfrm>
-            <a:off x="2468304" y="2336452"/>
-            <a:ext cx="7150359" cy="1384995"/>
+            <a:off x="2468304" y="2358210"/>
+            <a:ext cx="7150359" cy="1200329"/>
           </a:xfrm>
           <a:prstGeom prst="rect">
             <a:avLst/>
@@ -19860,26 +20440,44 @@
               <a:buNone/>
             </a:pPr>
             <a:r>
-              <a:rPr lang="fr-FR" b="1" dirty="0"/>
+              <a:rPr lang="fr-FR" sz="2400" b="1" dirty="0">
+                <a:latin typeface="Arial" panose="020B0604020202020204" pitchFamily="34" charset="0"/>
+                <a:cs typeface="Arial" panose="020B0604020202020204" pitchFamily="34" charset="0"/>
+              </a:rPr>
               <a:t>Elaboration d’un crédit </a:t>
             </a:r>
             <a:r>
-              <a:rPr lang="fr-FR" b="1" dirty="0" err="1"/>
+              <a:rPr lang="fr-FR" sz="2400" b="1" dirty="0" err="1">
+                <a:latin typeface="Arial" panose="020B0604020202020204" pitchFamily="34" charset="0"/>
+                <a:cs typeface="Arial" panose="020B0604020202020204" pitchFamily="34" charset="0"/>
+              </a:rPr>
               <a:t>scoring</a:t>
             </a:r>
             <a:r>
-              <a:rPr lang="fr-FR" b="1" dirty="0"/>
+              <a:rPr lang="fr-FR" sz="2400" b="1" dirty="0">
+                <a:latin typeface="Arial" panose="020B0604020202020204" pitchFamily="34" charset="0"/>
+                <a:cs typeface="Arial" panose="020B0604020202020204" pitchFamily="34" charset="0"/>
+              </a:rPr>
               <a:t> pour l’entreprise Home </a:t>
             </a:r>
             <a:r>
-              <a:rPr lang="fr-FR" b="1" dirty="0" err="1"/>
+              <a:rPr lang="fr-FR" sz="2400" b="1" dirty="0" err="1">
+                <a:latin typeface="Arial" panose="020B0604020202020204" pitchFamily="34" charset="0"/>
+                <a:cs typeface="Arial" panose="020B0604020202020204" pitchFamily="34" charset="0"/>
+              </a:rPr>
               <a:t>Credit</a:t>
             </a:r>
             <a:r>
-              <a:rPr lang="fr-FR" b="1" dirty="0"/>
+              <a:rPr lang="fr-FR" sz="2400" b="1" dirty="0">
+                <a:latin typeface="Arial" panose="020B0604020202020204" pitchFamily="34" charset="0"/>
+                <a:cs typeface="Arial" panose="020B0604020202020204" pitchFamily="34" charset="0"/>
+              </a:rPr>
               <a:t>, qui garantira la solvabilité d’un client à un prêt.</a:t>
             </a:r>
-            <a:endParaRPr lang="fr-FR" altLang="fr-FR" b="1" dirty="0"/>
+            <a:endParaRPr lang="fr-FR" altLang="fr-FR" sz="2400" b="1" dirty="0">
+              <a:latin typeface="Arial" panose="020B0604020202020204" pitchFamily="34" charset="0"/>
+              <a:cs typeface="Arial" panose="020B0604020202020204" pitchFamily="34" charset="0"/>
+            </a:endParaRPr>
           </a:p>
         </p:txBody>
       </p:sp>
@@ -21956,8 +22554,8 @@
         </p:nvSpPr>
         <p:spPr>
           <a:xfrm>
-            <a:off x="7951336" y="1809719"/>
-            <a:ext cx="4041407" cy="338554"/>
+            <a:off x="8045652" y="1809719"/>
+            <a:ext cx="4041407" cy="307777"/>
           </a:xfrm>
           <a:prstGeom prst="rect">
             <a:avLst/>
@@ -21971,10 +22569,16 @@
           <a:lstStyle/>
           <a:p>
             <a:r>
-              <a:rPr lang="en-GB" sz="1600" b="1" dirty="0"/>
+              <a:rPr lang="en-GB" sz="1400" b="1" dirty="0">
+                <a:latin typeface="Arial" panose="020B0604020202020204" pitchFamily="34" charset="0"/>
+                <a:cs typeface="Arial" panose="020B0604020202020204" pitchFamily="34" charset="0"/>
+              </a:rPr>
               <a:t>Table principal avec la target</a:t>
             </a:r>
-            <a:endParaRPr lang="fr-FR" sz="4000" b="1" dirty="0"/>
+            <a:endParaRPr lang="fr-FR" sz="3600" b="1" dirty="0">
+              <a:latin typeface="Arial" panose="020B0604020202020204" pitchFamily="34" charset="0"/>
+              <a:cs typeface="Arial" panose="020B0604020202020204" pitchFamily="34" charset="0"/>
+            </a:endParaRPr>
           </a:p>
         </p:txBody>
       </p:sp>
@@ -21992,8 +22596,8 @@
         </p:nvSpPr>
         <p:spPr>
           <a:xfrm>
-            <a:off x="7951336" y="2524698"/>
-            <a:ext cx="4041407" cy="338554"/>
+            <a:off x="8045652" y="2524698"/>
+            <a:ext cx="4041407" cy="307777"/>
           </a:xfrm>
           <a:prstGeom prst="rect">
             <a:avLst/>
@@ -22007,14 +22611,23 @@
           <a:lstStyle/>
           <a:p>
             <a:r>
-              <a:rPr lang="en-GB" sz="1600" b="1" dirty="0" err="1"/>
+              <a:rPr lang="en-GB" sz="1400" b="1" dirty="0" err="1">
+                <a:latin typeface="Arial" panose="020B0604020202020204" pitchFamily="34" charset="0"/>
+                <a:cs typeface="Arial" panose="020B0604020202020204" pitchFamily="34" charset="0"/>
+              </a:rPr>
               <a:t>Ancien</a:t>
             </a:r>
             <a:r>
-              <a:rPr lang="en-GB" sz="1600" b="1" dirty="0"/>
+              <a:rPr lang="en-GB" sz="1400" b="1" dirty="0">
+                <a:latin typeface="Arial" panose="020B0604020202020204" pitchFamily="34" charset="0"/>
+                <a:cs typeface="Arial" panose="020B0604020202020204" pitchFamily="34" charset="0"/>
+              </a:rPr>
               <a:t> credit</a:t>
             </a:r>
-            <a:endParaRPr lang="fr-FR" sz="4000" b="1" dirty="0"/>
+            <a:endParaRPr lang="fr-FR" sz="3600" b="1" dirty="0">
+              <a:latin typeface="Arial" panose="020B0604020202020204" pitchFamily="34" charset="0"/>
+              <a:cs typeface="Arial" panose="020B0604020202020204" pitchFamily="34" charset="0"/>
+            </a:endParaRPr>
           </a:p>
         </p:txBody>
       </p:sp>
@@ -22032,8 +22645,8 @@
         </p:nvSpPr>
         <p:spPr>
           <a:xfrm>
-            <a:off x="7951336" y="3186909"/>
-            <a:ext cx="4041407" cy="338554"/>
+            <a:off x="8045652" y="3186909"/>
+            <a:ext cx="4041407" cy="307777"/>
           </a:xfrm>
           <a:prstGeom prst="rect">
             <a:avLst/>
@@ -22047,18 +22660,30 @@
           <a:lstStyle/>
           <a:p>
             <a:r>
-              <a:rPr lang="en-GB" sz="1600" b="1" dirty="0" err="1"/>
+              <a:rPr lang="en-GB" sz="1400" b="1" dirty="0" err="1">
+                <a:latin typeface="Arial" panose="020B0604020202020204" pitchFamily="34" charset="0"/>
+                <a:cs typeface="Arial" panose="020B0604020202020204" pitchFamily="34" charset="0"/>
+              </a:rPr>
               <a:t>Ancien</a:t>
             </a:r>
             <a:r>
-              <a:rPr lang="en-GB" sz="1600" b="1" dirty="0"/>
+              <a:rPr lang="en-GB" sz="1400" b="1" dirty="0">
+                <a:latin typeface="Arial" panose="020B0604020202020204" pitchFamily="34" charset="0"/>
+                <a:cs typeface="Arial" panose="020B0604020202020204" pitchFamily="34" charset="0"/>
+              </a:rPr>
               <a:t> credit avec </a:t>
             </a:r>
             <a:r>
-              <a:rPr lang="en-GB" sz="1600" b="1" dirty="0" err="1"/>
+              <a:rPr lang="en-GB" sz="1400" b="1" dirty="0" err="1">
+                <a:latin typeface="Arial" panose="020B0604020202020204" pitchFamily="34" charset="0"/>
+                <a:cs typeface="Arial" panose="020B0604020202020204" pitchFamily="34" charset="0"/>
+              </a:rPr>
               <a:t>historique</a:t>
             </a:r>
-            <a:endParaRPr lang="fr-FR" sz="4000" b="1" dirty="0"/>
+            <a:endParaRPr lang="fr-FR" sz="3600" b="1" dirty="0">
+              <a:latin typeface="Arial" panose="020B0604020202020204" pitchFamily="34" charset="0"/>
+              <a:cs typeface="Arial" panose="020B0604020202020204" pitchFamily="34" charset="0"/>
+            </a:endParaRPr>
           </a:p>
         </p:txBody>
       </p:sp>
@@ -22435,8 +23060,8 @@
         </p:nvSpPr>
         <p:spPr>
           <a:xfrm>
-            <a:off x="7951336" y="3863466"/>
-            <a:ext cx="4041407" cy="338554"/>
+            <a:off x="8045652" y="3863466"/>
+            <a:ext cx="4041407" cy="307777"/>
           </a:xfrm>
           <a:prstGeom prst="rect">
             <a:avLst/>
@@ -22450,18 +23075,30 @@
           <a:lstStyle/>
           <a:p>
             <a:r>
-              <a:rPr lang="en-GB" sz="1600" b="1" dirty="0" err="1"/>
+              <a:rPr lang="en-GB" sz="1400" b="1" dirty="0" err="1">
+                <a:latin typeface="Arial" panose="020B0604020202020204" pitchFamily="34" charset="0"/>
+                <a:cs typeface="Arial" panose="020B0604020202020204" pitchFamily="34" charset="0"/>
+              </a:rPr>
               <a:t>Historiques</a:t>
             </a:r>
             <a:r>
-              <a:rPr lang="en-GB" sz="1600" b="1" dirty="0"/>
+              <a:rPr lang="en-GB" sz="1400" b="1" dirty="0">
+                <a:latin typeface="Arial" panose="020B0604020202020204" pitchFamily="34" charset="0"/>
+                <a:cs typeface="Arial" panose="020B0604020202020204" pitchFamily="34" charset="0"/>
+              </a:rPr>
               <a:t> des </a:t>
             </a:r>
             <a:r>
-              <a:rPr lang="en-GB" sz="1600" b="1" dirty="0" err="1"/>
+              <a:rPr lang="en-GB" sz="1400" b="1" dirty="0" err="1">
+                <a:latin typeface="Arial" panose="020B0604020202020204" pitchFamily="34" charset="0"/>
+                <a:cs typeface="Arial" panose="020B0604020202020204" pitchFamily="34" charset="0"/>
+              </a:rPr>
               <a:t>prêts</a:t>
             </a:r>
-            <a:endParaRPr lang="fr-FR" sz="4000" b="1" dirty="0"/>
+            <a:endParaRPr lang="fr-FR" sz="3600" b="1" dirty="0">
+              <a:latin typeface="Arial" panose="020B0604020202020204" pitchFamily="34" charset="0"/>
+              <a:cs typeface="Arial" panose="020B0604020202020204" pitchFamily="34" charset="0"/>
+            </a:endParaRPr>
           </a:p>
         </p:txBody>
       </p:sp>
@@ -22752,8 +23389,8 @@
         </p:nvSpPr>
         <p:spPr>
           <a:xfrm>
-            <a:off x="7977562" y="4516049"/>
-            <a:ext cx="4220846" cy="338554"/>
+            <a:off x="8071878" y="4516049"/>
+            <a:ext cx="4220846" cy="307777"/>
           </a:xfrm>
           <a:prstGeom prst="rect">
             <a:avLst/>
@@ -22767,22 +23404,37 @@
           <a:lstStyle/>
           <a:p>
             <a:r>
-              <a:rPr lang="en-GB" sz="1600" b="1" dirty="0"/>
+              <a:rPr lang="en-GB" sz="1400" b="1" dirty="0">
+                <a:latin typeface="Arial" panose="020B0604020202020204" pitchFamily="34" charset="0"/>
+                <a:cs typeface="Arial" panose="020B0604020202020204" pitchFamily="34" charset="0"/>
+              </a:rPr>
               <a:t>Information sur les credits </a:t>
             </a:r>
             <a:r>
-              <a:rPr lang="en-GB" sz="1600" b="1" dirty="0" err="1"/>
+              <a:rPr lang="en-GB" sz="1400" b="1" dirty="0" err="1">
+                <a:latin typeface="Arial" panose="020B0604020202020204" pitchFamily="34" charset="0"/>
+                <a:cs typeface="Arial" panose="020B0604020202020204" pitchFamily="34" charset="0"/>
+              </a:rPr>
               <a:t>en</a:t>
             </a:r>
             <a:r>
-              <a:rPr lang="en-GB" sz="1600" b="1" dirty="0"/>
+              <a:rPr lang="en-GB" sz="1400" b="1" dirty="0">
+                <a:latin typeface="Arial" panose="020B0604020202020204" pitchFamily="34" charset="0"/>
+                <a:cs typeface="Arial" panose="020B0604020202020204" pitchFamily="34" charset="0"/>
+              </a:rPr>
               <a:t> </a:t>
             </a:r>
             <a:r>
-              <a:rPr lang="en-GB" sz="1600" b="1" dirty="0" err="1"/>
+              <a:rPr lang="en-GB" sz="1400" b="1" dirty="0" err="1">
+                <a:latin typeface="Arial" panose="020B0604020202020204" pitchFamily="34" charset="0"/>
+                <a:cs typeface="Arial" panose="020B0604020202020204" pitchFamily="34" charset="0"/>
+              </a:rPr>
               <a:t>liquide</a:t>
             </a:r>
-            <a:endParaRPr lang="fr-FR" sz="4000" b="1" dirty="0"/>
+            <a:endParaRPr lang="fr-FR" sz="3600" b="1" dirty="0">
+              <a:latin typeface="Arial" panose="020B0604020202020204" pitchFamily="34" charset="0"/>
+              <a:cs typeface="Arial" panose="020B0604020202020204" pitchFamily="34" charset="0"/>
+            </a:endParaRPr>
           </a:p>
         </p:txBody>
       </p:sp>
@@ -22800,8 +23452,8 @@
         </p:nvSpPr>
         <p:spPr>
           <a:xfrm>
-            <a:off x="7986261" y="5175348"/>
-            <a:ext cx="4220846" cy="338554"/>
+            <a:off x="8080577" y="5175348"/>
+            <a:ext cx="4220846" cy="307777"/>
           </a:xfrm>
           <a:prstGeom prst="rect">
             <a:avLst/>
@@ -22815,18 +23467,30 @@
           <a:lstStyle/>
           <a:p>
             <a:r>
-              <a:rPr lang="en-GB" sz="1600" b="1" dirty="0" err="1"/>
+              <a:rPr lang="en-GB" sz="1400" b="1" dirty="0" err="1">
+                <a:latin typeface="Arial" panose="020B0604020202020204" pitchFamily="34" charset="0"/>
+                <a:cs typeface="Arial" panose="020B0604020202020204" pitchFamily="34" charset="0"/>
+              </a:rPr>
               <a:t>Historique</a:t>
             </a:r>
             <a:r>
-              <a:rPr lang="en-GB" sz="1600" b="1" dirty="0"/>
+              <a:rPr lang="en-GB" sz="1400" b="1" dirty="0">
+                <a:latin typeface="Arial" panose="020B0604020202020204" pitchFamily="34" charset="0"/>
+                <a:cs typeface="Arial" panose="020B0604020202020204" pitchFamily="34" charset="0"/>
+              </a:rPr>
               <a:t> de </a:t>
             </a:r>
             <a:r>
-              <a:rPr lang="en-GB" sz="1600" b="1" dirty="0" err="1"/>
+              <a:rPr lang="en-GB" sz="1400" b="1" dirty="0" err="1">
+                <a:latin typeface="Arial" panose="020B0604020202020204" pitchFamily="34" charset="0"/>
+                <a:cs typeface="Arial" panose="020B0604020202020204" pitchFamily="34" charset="0"/>
+              </a:rPr>
               <a:t>remboursement</a:t>
             </a:r>
-            <a:endParaRPr lang="fr-FR" sz="4000" b="1" dirty="0"/>
+            <a:endParaRPr lang="fr-FR" sz="3600" b="1" dirty="0">
+              <a:latin typeface="Arial" panose="020B0604020202020204" pitchFamily="34" charset="0"/>
+              <a:cs typeface="Arial" panose="020B0604020202020204" pitchFamily="34" charset="0"/>
+            </a:endParaRPr>
           </a:p>
         </p:txBody>
       </p:sp>
@@ -22844,8 +23508,8 @@
         </p:nvSpPr>
         <p:spPr>
           <a:xfrm>
-            <a:off x="8000646" y="5773173"/>
-            <a:ext cx="4841594" cy="338554"/>
+            <a:off x="8094962" y="5773173"/>
+            <a:ext cx="4841594" cy="307777"/>
           </a:xfrm>
           <a:prstGeom prst="rect">
             <a:avLst/>
@@ -22859,14 +23523,23 @@
           <a:lstStyle/>
           <a:p>
             <a:r>
-              <a:rPr lang="en-GB" sz="1600" b="1" dirty="0"/>
+              <a:rPr lang="en-GB" sz="1400" b="1" dirty="0">
+                <a:latin typeface="Arial" panose="020B0604020202020204" pitchFamily="34" charset="0"/>
+                <a:cs typeface="Arial" panose="020B0604020202020204" pitchFamily="34" charset="0"/>
+              </a:rPr>
               <a:t>Information des credits avec carte </a:t>
             </a:r>
             <a:r>
-              <a:rPr lang="en-GB" sz="1600" b="1" dirty="0" err="1"/>
+              <a:rPr lang="en-GB" sz="1400" b="1" dirty="0" err="1">
+                <a:latin typeface="Arial" panose="020B0604020202020204" pitchFamily="34" charset="0"/>
+                <a:cs typeface="Arial" panose="020B0604020202020204" pitchFamily="34" charset="0"/>
+              </a:rPr>
               <a:t>bancaire</a:t>
             </a:r>
-            <a:endParaRPr lang="fr-FR" sz="4000" b="1" dirty="0"/>
+            <a:endParaRPr lang="fr-FR" sz="3600" b="1" dirty="0">
+              <a:latin typeface="Arial" panose="020B0604020202020204" pitchFamily="34" charset="0"/>
+              <a:cs typeface="Arial" panose="020B0604020202020204" pitchFamily="34" charset="0"/>
+            </a:endParaRPr>
           </a:p>
         </p:txBody>
       </p:sp>
@@ -24044,7 +24717,7 @@
           <p:nvPr>
             <p:extLst>
               <p:ext uri="{D42A27DB-BD31-4B8C-83A1-F6EECF244321}">
-                <p14:modId xmlns:p14="http://schemas.microsoft.com/office/powerpoint/2010/main" val="1731040416"/>
+                <p14:modId xmlns:p14="http://schemas.microsoft.com/office/powerpoint/2010/main" val="1235563722"/>
               </p:ext>
             </p:extLst>
           </p:nvPr>
@@ -24547,7 +25220,7 @@
         <p:spPr>
           <a:xfrm>
             <a:off x="608197" y="2621276"/>
-            <a:ext cx="3202440" cy="584775"/>
+            <a:ext cx="3202440" cy="523220"/>
           </a:xfrm>
           <a:prstGeom prst="rect">
             <a:avLst/>
@@ -24561,30 +25234,51 @@
           <a:lstStyle/>
           <a:p>
             <a:r>
-              <a:rPr lang="en-GB" sz="1600" b="1" dirty="0" err="1"/>
+              <a:rPr lang="en-GB" sz="1400" b="1" dirty="0" err="1">
+                <a:latin typeface="Arial" panose="020B0604020202020204" pitchFamily="34" charset="0"/>
+                <a:cs typeface="Arial" panose="020B0604020202020204" pitchFamily="34" charset="0"/>
+              </a:rPr>
               <a:t>Pourcentage</a:t>
             </a:r>
             <a:r>
-              <a:rPr lang="en-GB" sz="1600" b="1" dirty="0"/>
+              <a:rPr lang="en-GB" sz="1400" b="1" dirty="0">
+                <a:latin typeface="Arial" panose="020B0604020202020204" pitchFamily="34" charset="0"/>
+                <a:cs typeface="Arial" panose="020B0604020202020204" pitchFamily="34" charset="0"/>
+              </a:rPr>
               <a:t> des </a:t>
             </a:r>
             <a:r>
-              <a:rPr lang="en-GB" sz="1600" b="1" dirty="0" err="1"/>
+              <a:rPr lang="en-GB" sz="1400" b="1" dirty="0" err="1">
+                <a:latin typeface="Arial" panose="020B0604020202020204" pitchFamily="34" charset="0"/>
+                <a:cs typeface="Arial" panose="020B0604020202020204" pitchFamily="34" charset="0"/>
+              </a:rPr>
               <a:t>valeurs</a:t>
             </a:r>
             <a:r>
-              <a:rPr lang="en-GB" sz="1600" b="1" dirty="0"/>
+              <a:rPr lang="en-GB" sz="1400" b="1" dirty="0">
+                <a:latin typeface="Arial" panose="020B0604020202020204" pitchFamily="34" charset="0"/>
+                <a:cs typeface="Arial" panose="020B0604020202020204" pitchFamily="34" charset="0"/>
+              </a:rPr>
               <a:t> </a:t>
             </a:r>
             <a:r>
-              <a:rPr lang="en-GB" sz="1600" b="1" dirty="0" err="1"/>
+              <a:rPr lang="en-GB" sz="1400" b="1" dirty="0" err="1">
+                <a:latin typeface="Arial" panose="020B0604020202020204" pitchFamily="34" charset="0"/>
+                <a:cs typeface="Arial" panose="020B0604020202020204" pitchFamily="34" charset="0"/>
+              </a:rPr>
               <a:t>manquantes</a:t>
             </a:r>
             <a:r>
-              <a:rPr lang="en-GB" sz="1600" b="1" dirty="0"/>
+              <a:rPr lang="en-GB" sz="1400" b="1" dirty="0">
+                <a:latin typeface="Arial" panose="020B0604020202020204" pitchFamily="34" charset="0"/>
+                <a:cs typeface="Arial" panose="020B0604020202020204" pitchFamily="34" charset="0"/>
+              </a:rPr>
               <a:t>.</a:t>
             </a:r>
-            <a:endParaRPr lang="fr-FR" sz="4000" b="1" dirty="0"/>
+            <a:endParaRPr lang="fr-FR" sz="3600" b="1" dirty="0">
+              <a:latin typeface="Arial" panose="020B0604020202020204" pitchFamily="34" charset="0"/>
+              <a:cs typeface="Arial" panose="020B0604020202020204" pitchFamily="34" charset="0"/>
+            </a:endParaRPr>
           </a:p>
         </p:txBody>
       </p:sp>
@@ -24603,7 +25297,7 @@
         <p:spPr>
           <a:xfrm>
             <a:off x="608196" y="3364029"/>
-            <a:ext cx="3207938" cy="584775"/>
+            <a:ext cx="3207938" cy="523220"/>
           </a:xfrm>
           <a:prstGeom prst="rect">
             <a:avLst/>
@@ -24617,10 +25311,16 @@
           <a:lstStyle/>
           <a:p>
             <a:r>
-              <a:rPr lang="en-GB" sz="1600" b="1" dirty="0"/>
+              <a:rPr lang="en-GB" sz="1400" b="1" dirty="0">
+                <a:latin typeface="Arial" panose="020B0604020202020204" pitchFamily="34" charset="0"/>
+                <a:cs typeface="Arial" panose="020B0604020202020204" pitchFamily="34" charset="0"/>
+              </a:rPr>
               <a:t>Suppression des variables avec plus de 40%.</a:t>
             </a:r>
-            <a:endParaRPr lang="fr-FR" sz="4000" b="1" dirty="0"/>
+            <a:endParaRPr lang="fr-FR" sz="3600" b="1" dirty="0">
+              <a:latin typeface="Arial" panose="020B0604020202020204" pitchFamily="34" charset="0"/>
+              <a:cs typeface="Arial" panose="020B0604020202020204" pitchFamily="34" charset="0"/>
+            </a:endParaRPr>
           </a:p>
         </p:txBody>
       </p:sp>
@@ -24639,7 +25339,7 @@
         <p:spPr>
           <a:xfrm>
             <a:off x="608196" y="4280306"/>
-            <a:ext cx="3207938" cy="584775"/>
+            <a:ext cx="3207938" cy="523220"/>
           </a:xfrm>
           <a:prstGeom prst="rect">
             <a:avLst/>
@@ -24653,30 +25353,51 @@
           <a:lstStyle/>
           <a:p>
             <a:r>
-              <a:rPr lang="en-GB" sz="1600" b="1" dirty="0" err="1"/>
+              <a:rPr lang="en-GB" sz="1400" b="1" dirty="0" err="1">
+                <a:latin typeface="Arial" panose="020B0604020202020204" pitchFamily="34" charset="0"/>
+                <a:cs typeface="Arial" panose="020B0604020202020204" pitchFamily="34" charset="0"/>
+              </a:rPr>
               <a:t>Remplacer</a:t>
             </a:r>
             <a:r>
-              <a:rPr lang="en-GB" sz="1600" b="1" dirty="0"/>
+              <a:rPr lang="en-GB" sz="1400" b="1" dirty="0">
+                <a:latin typeface="Arial" panose="020B0604020202020204" pitchFamily="34" charset="0"/>
+                <a:cs typeface="Arial" panose="020B0604020202020204" pitchFamily="34" charset="0"/>
+              </a:rPr>
               <a:t> les </a:t>
             </a:r>
             <a:r>
-              <a:rPr lang="en-GB" sz="1600" b="1" dirty="0" err="1"/>
+              <a:rPr lang="en-GB" sz="1400" b="1" dirty="0" err="1">
+                <a:latin typeface="Arial" panose="020B0604020202020204" pitchFamily="34" charset="0"/>
+                <a:cs typeface="Arial" panose="020B0604020202020204" pitchFamily="34" charset="0"/>
+              </a:rPr>
               <a:t>valeurs</a:t>
             </a:r>
             <a:r>
-              <a:rPr lang="en-GB" sz="1600" b="1" dirty="0"/>
+              <a:rPr lang="en-GB" sz="1400" b="1" dirty="0">
+                <a:latin typeface="Arial" panose="020B0604020202020204" pitchFamily="34" charset="0"/>
+                <a:cs typeface="Arial" panose="020B0604020202020204" pitchFamily="34" charset="0"/>
+              </a:rPr>
               <a:t> </a:t>
             </a:r>
             <a:r>
-              <a:rPr lang="en-GB" sz="1600" b="1" dirty="0" err="1"/>
+              <a:rPr lang="en-GB" sz="1400" b="1" dirty="0" err="1">
+                <a:latin typeface="Arial" panose="020B0604020202020204" pitchFamily="34" charset="0"/>
+                <a:cs typeface="Arial" panose="020B0604020202020204" pitchFamily="34" charset="0"/>
+              </a:rPr>
               <a:t>manquantes</a:t>
             </a:r>
             <a:r>
-              <a:rPr lang="en-GB" sz="1600" b="1" dirty="0"/>
+              <a:rPr lang="en-GB" sz="1400" b="1" dirty="0">
+                <a:latin typeface="Arial" panose="020B0604020202020204" pitchFamily="34" charset="0"/>
+                <a:cs typeface="Arial" panose="020B0604020202020204" pitchFamily="34" charset="0"/>
+              </a:rPr>
               <a:t> par le mode.</a:t>
             </a:r>
-            <a:endParaRPr lang="fr-FR" sz="4000" b="1" dirty="0"/>
+            <a:endParaRPr lang="fr-FR" sz="3600" b="1" dirty="0">
+              <a:latin typeface="Arial" panose="020B0604020202020204" pitchFamily="34" charset="0"/>
+              <a:cs typeface="Arial" panose="020B0604020202020204" pitchFamily="34" charset="0"/>
+            </a:endParaRPr>
           </a:p>
         </p:txBody>
       </p:sp>
@@ -24695,7 +25416,7 @@
         <p:spPr>
           <a:xfrm>
             <a:off x="602699" y="5205987"/>
-            <a:ext cx="3207938" cy="830997"/>
+            <a:ext cx="3207938" cy="738664"/>
           </a:xfrm>
           <a:prstGeom prst="rect">
             <a:avLst/>
@@ -24709,34 +25430,58 @@
           <a:lstStyle/>
           <a:p>
             <a:r>
-              <a:rPr lang="en-GB" sz="1600" b="1" dirty="0"/>
+              <a:rPr lang="en-GB" sz="1400" b="1" dirty="0">
+                <a:latin typeface="Arial" panose="020B0604020202020204" pitchFamily="34" charset="0"/>
+                <a:cs typeface="Arial" panose="020B0604020202020204" pitchFamily="34" charset="0"/>
+              </a:rPr>
               <a:t>Transformation </a:t>
             </a:r>
             <a:r>
-              <a:rPr lang="en-GB" sz="1600" b="1" dirty="0" err="1"/>
+              <a:rPr lang="en-GB" sz="1400" b="1" dirty="0" err="1">
+                <a:latin typeface="Arial" panose="020B0604020202020204" pitchFamily="34" charset="0"/>
+                <a:cs typeface="Arial" panose="020B0604020202020204" pitchFamily="34" charset="0"/>
+              </a:rPr>
               <a:t>en</a:t>
             </a:r>
             <a:r>
-              <a:rPr lang="en-GB" sz="1600" b="1" dirty="0"/>
+              <a:rPr lang="en-GB" sz="1400" b="1" dirty="0">
+                <a:latin typeface="Arial" panose="020B0604020202020204" pitchFamily="34" charset="0"/>
+                <a:cs typeface="Arial" panose="020B0604020202020204" pitchFamily="34" charset="0"/>
+              </a:rPr>
               <a:t> Integer des variables </a:t>
             </a:r>
             <a:r>
-              <a:rPr lang="en-GB" sz="1600" b="1" dirty="0" err="1"/>
+              <a:rPr lang="en-GB" sz="1400" b="1" dirty="0" err="1">
+                <a:latin typeface="Arial" panose="020B0604020202020204" pitchFamily="34" charset="0"/>
+                <a:cs typeface="Arial" panose="020B0604020202020204" pitchFamily="34" charset="0"/>
+              </a:rPr>
               <a:t>qualitatives</a:t>
             </a:r>
             <a:r>
-              <a:rPr lang="en-GB" sz="1600" b="1" dirty="0"/>
+              <a:rPr lang="en-GB" sz="1400" b="1" dirty="0">
+                <a:latin typeface="Arial" panose="020B0604020202020204" pitchFamily="34" charset="0"/>
+                <a:cs typeface="Arial" panose="020B0604020202020204" pitchFamily="34" charset="0"/>
+              </a:rPr>
               <a:t> pour les </a:t>
             </a:r>
             <a:r>
-              <a:rPr lang="en-GB" sz="1600" b="1" dirty="0" err="1"/>
+              <a:rPr lang="en-GB" sz="1400" b="1" dirty="0" err="1">
+                <a:latin typeface="Arial" panose="020B0604020202020204" pitchFamily="34" charset="0"/>
+                <a:cs typeface="Arial" panose="020B0604020202020204" pitchFamily="34" charset="0"/>
+              </a:rPr>
               <a:t>modéles</a:t>
             </a:r>
             <a:r>
-              <a:rPr lang="en-GB" sz="1600" b="1" dirty="0"/>
+              <a:rPr lang="en-GB" sz="1400" b="1" dirty="0">
+                <a:latin typeface="Arial" panose="020B0604020202020204" pitchFamily="34" charset="0"/>
+                <a:cs typeface="Arial" panose="020B0604020202020204" pitchFamily="34" charset="0"/>
+              </a:rPr>
               <a:t>.</a:t>
             </a:r>
-            <a:endParaRPr lang="fr-FR" sz="4000" b="1" dirty="0"/>
+            <a:endParaRPr lang="fr-FR" sz="3600" b="1" dirty="0">
+              <a:latin typeface="Arial" panose="020B0604020202020204" pitchFamily="34" charset="0"/>
+              <a:cs typeface="Arial" panose="020B0604020202020204" pitchFamily="34" charset="0"/>
+            </a:endParaRPr>
           </a:p>
         </p:txBody>
       </p:sp>
@@ -24754,7 +25499,7 @@
         </p:nvSpPr>
         <p:spPr bwMode="auto">
           <a:xfrm>
-            <a:off x="4377080" y="2522788"/>
+            <a:off x="4153000" y="2548790"/>
             <a:ext cx="448160" cy="448081"/>
           </a:xfrm>
           <a:prstGeom prst="ellipse">
@@ -24840,7 +25585,7 @@
         </p:nvSpPr>
         <p:spPr bwMode="auto">
           <a:xfrm>
-            <a:off x="4377079" y="3415703"/>
+            <a:off x="4152999" y="3441705"/>
             <a:ext cx="448160" cy="448081"/>
           </a:xfrm>
           <a:prstGeom prst="ellipse">
@@ -24931,7 +25676,7 @@
         </p:nvSpPr>
         <p:spPr bwMode="auto">
           <a:xfrm>
-            <a:off x="4377079" y="4313509"/>
+            <a:off x="4152999" y="4339511"/>
             <a:ext cx="448160" cy="448081"/>
           </a:xfrm>
           <a:prstGeom prst="ellipse">
@@ -25022,7 +25767,7 @@
         </p:nvSpPr>
         <p:spPr bwMode="auto">
           <a:xfrm>
-            <a:off x="4377079" y="5196183"/>
+            <a:off x="4152999" y="5222185"/>
             <a:ext cx="448160" cy="448081"/>
           </a:xfrm>
           <a:prstGeom prst="ellipse">
@@ -25096,6 +25841,276 @@
                 <a:schemeClr val="tx1"/>
               </a:solidFill>
             </a:endParaRPr>
+          </a:p>
+        </p:txBody>
+      </p:sp>
+      <p:sp>
+        <p:nvSpPr>
+          <p:cNvPr id="46" name="TextBox 45">
+            <a:extLst>
+              <a:ext uri="{FF2B5EF4-FFF2-40B4-BE49-F238E27FC236}">
+                <a16:creationId xmlns:a16="http://schemas.microsoft.com/office/drawing/2014/main" id="{60DAAA0A-3104-4178-B814-8F3F683C3786}"/>
+              </a:ext>
+            </a:extLst>
+          </p:cNvPr>
+          <p:cNvSpPr txBox="1"/>
+          <p:nvPr/>
+        </p:nvSpPr>
+        <p:spPr>
+          <a:xfrm>
+            <a:off x="4783770" y="2638315"/>
+            <a:ext cx="3202440" cy="523220"/>
+          </a:xfrm>
+          <a:prstGeom prst="rect">
+            <a:avLst/>
+          </a:prstGeom>
+          <a:noFill/>
+        </p:spPr>
+        <p:txBody>
+          <a:bodyPr wrap="square" rtlCol="0">
+            <a:spAutoFit/>
+          </a:bodyPr>
+          <a:lstStyle/>
+          <a:p>
+            <a:r>
+              <a:rPr lang="en-GB" sz="1400" b="1" dirty="0">
+                <a:latin typeface="Arial" panose="020B0604020202020204" pitchFamily="34" charset="0"/>
+                <a:cs typeface="Arial" panose="020B0604020202020204" pitchFamily="34" charset="0"/>
+              </a:rPr>
+              <a:t>Train/Previous App:</a:t>
+            </a:r>
+          </a:p>
+          <a:p>
+            <a:r>
+              <a:rPr lang="en-GB" sz="1400" dirty="0">
+                <a:latin typeface="Arial" panose="020B0604020202020204" pitchFamily="34" charset="0"/>
+                <a:cs typeface="Arial" panose="020B0604020202020204" pitchFamily="34" charset="0"/>
+              </a:rPr>
+              <a:t>- Dichotomisation</a:t>
+            </a:r>
+            <a:endParaRPr lang="fr-FR" sz="1400" b="1" dirty="0">
+              <a:latin typeface="Arial" panose="020B0604020202020204" pitchFamily="34" charset="0"/>
+              <a:cs typeface="Arial" panose="020B0604020202020204" pitchFamily="34" charset="0"/>
+            </a:endParaRPr>
+          </a:p>
+        </p:txBody>
+      </p:sp>
+      <p:sp>
+        <p:nvSpPr>
+          <p:cNvPr id="47" name="TextBox 46">
+            <a:extLst>
+              <a:ext uri="{FF2B5EF4-FFF2-40B4-BE49-F238E27FC236}">
+                <a16:creationId xmlns:a16="http://schemas.microsoft.com/office/drawing/2014/main" id="{6E932832-070C-423E-B8DE-A365DAC4CA75}"/>
+              </a:ext>
+            </a:extLst>
+          </p:cNvPr>
+          <p:cNvSpPr txBox="1"/>
+          <p:nvPr/>
+        </p:nvSpPr>
+        <p:spPr>
+          <a:xfrm>
+            <a:off x="4767474" y="4335382"/>
+            <a:ext cx="3202440" cy="523220"/>
+          </a:xfrm>
+          <a:prstGeom prst="rect">
+            <a:avLst/>
+          </a:prstGeom>
+          <a:noFill/>
+        </p:spPr>
+        <p:txBody>
+          <a:bodyPr wrap="square" rtlCol="0">
+            <a:spAutoFit/>
+          </a:bodyPr>
+          <a:lstStyle/>
+          <a:p>
+            <a:r>
+              <a:rPr lang="en-GB" sz="1400" b="1" dirty="0">
+                <a:latin typeface="Arial" panose="020B0604020202020204" pitchFamily="34" charset="0"/>
+                <a:cs typeface="Arial" panose="020B0604020202020204" pitchFamily="34" charset="0"/>
+              </a:rPr>
+              <a:t>CCB/POSCB: </a:t>
+            </a:r>
+          </a:p>
+          <a:p>
+            <a:r>
+              <a:rPr lang="en-GB" sz="1400" dirty="0">
+                <a:latin typeface="Arial" panose="020B0604020202020204" pitchFamily="34" charset="0"/>
+                <a:cs typeface="Arial" panose="020B0604020202020204" pitchFamily="34" charset="0"/>
+              </a:rPr>
+              <a:t>- Moyenne des movements par ID</a:t>
+            </a:r>
+            <a:endParaRPr lang="fr-FR" sz="3600" dirty="0">
+              <a:latin typeface="Arial" panose="020B0604020202020204" pitchFamily="34" charset="0"/>
+              <a:cs typeface="Arial" panose="020B0604020202020204" pitchFamily="34" charset="0"/>
+            </a:endParaRPr>
+          </a:p>
+        </p:txBody>
+      </p:sp>
+      <p:sp>
+        <p:nvSpPr>
+          <p:cNvPr id="48" name="TextBox 47">
+            <a:extLst>
+              <a:ext uri="{FF2B5EF4-FFF2-40B4-BE49-F238E27FC236}">
+                <a16:creationId xmlns:a16="http://schemas.microsoft.com/office/drawing/2014/main" id="{5F8283DA-53F6-403B-BB2C-CADD6B713326}"/>
+              </a:ext>
+            </a:extLst>
+          </p:cNvPr>
+          <p:cNvSpPr txBox="1"/>
+          <p:nvPr/>
+        </p:nvSpPr>
+        <p:spPr>
+          <a:xfrm>
+            <a:off x="4783770" y="3442561"/>
+            <a:ext cx="3202440" cy="523220"/>
+          </a:xfrm>
+          <a:prstGeom prst="rect">
+            <a:avLst/>
+          </a:prstGeom>
+          <a:noFill/>
+        </p:spPr>
+        <p:txBody>
+          <a:bodyPr wrap="square" rtlCol="0">
+            <a:spAutoFit/>
+          </a:bodyPr>
+          <a:lstStyle/>
+          <a:p>
+            <a:r>
+              <a:rPr lang="en-GB" sz="1400" b="1" dirty="0">
+                <a:latin typeface="Arial" panose="020B0604020202020204" pitchFamily="34" charset="0"/>
+                <a:cs typeface="Arial" panose="020B0604020202020204" pitchFamily="34" charset="0"/>
+              </a:rPr>
+              <a:t>Bureau:</a:t>
+            </a:r>
+          </a:p>
+          <a:p>
+            <a:r>
+              <a:rPr lang="en-GB" sz="1400" dirty="0">
+                <a:latin typeface="Arial" panose="020B0604020202020204" pitchFamily="34" charset="0"/>
+                <a:cs typeface="Arial" panose="020B0604020202020204" pitchFamily="34" charset="0"/>
+              </a:rPr>
+              <a:t>- </a:t>
+            </a:r>
+            <a:r>
+              <a:rPr lang="en-GB" sz="1400" dirty="0" err="1">
+                <a:latin typeface="Arial" panose="020B0604020202020204" pitchFamily="34" charset="0"/>
+                <a:cs typeface="Arial" panose="020B0604020202020204" pitchFamily="34" charset="0"/>
+              </a:rPr>
+              <a:t>Création</a:t>
+            </a:r>
+            <a:r>
+              <a:rPr lang="en-GB" sz="1400" dirty="0">
+                <a:latin typeface="Arial" panose="020B0604020202020204" pitchFamily="34" charset="0"/>
+                <a:cs typeface="Arial" panose="020B0604020202020204" pitchFamily="34" charset="0"/>
+              </a:rPr>
+              <a:t> </a:t>
+            </a:r>
+            <a:r>
+              <a:rPr lang="en-GB" sz="1400" dirty="0" err="1">
+                <a:latin typeface="Arial" panose="020B0604020202020204" pitchFamily="34" charset="0"/>
+                <a:cs typeface="Arial" panose="020B0604020202020204" pitchFamily="34" charset="0"/>
+              </a:rPr>
+              <a:t>d’indicateur</a:t>
+            </a:r>
+            <a:endParaRPr lang="en-GB" sz="1400" dirty="0">
+              <a:latin typeface="Arial" panose="020B0604020202020204" pitchFamily="34" charset="0"/>
+              <a:cs typeface="Arial" panose="020B0604020202020204" pitchFamily="34" charset="0"/>
+            </a:endParaRPr>
+          </a:p>
+        </p:txBody>
+      </p:sp>
+      <p:sp>
+        <p:nvSpPr>
+          <p:cNvPr id="49" name="TextBox 48">
+            <a:extLst>
+              <a:ext uri="{FF2B5EF4-FFF2-40B4-BE49-F238E27FC236}">
+                <a16:creationId xmlns:a16="http://schemas.microsoft.com/office/drawing/2014/main" id="{343F2ACF-BD1F-4CD8-B2F7-5E4761C11CAD}"/>
+              </a:ext>
+            </a:extLst>
+          </p:cNvPr>
+          <p:cNvSpPr txBox="1"/>
+          <p:nvPr/>
+        </p:nvSpPr>
+        <p:spPr>
+          <a:xfrm>
+            <a:off x="4697826" y="5241021"/>
+            <a:ext cx="3455430" cy="523220"/>
+          </a:xfrm>
+          <a:prstGeom prst="rect">
+            <a:avLst/>
+          </a:prstGeom>
+          <a:noFill/>
+        </p:spPr>
+        <p:txBody>
+          <a:bodyPr wrap="square" rtlCol="0">
+            <a:spAutoFit/>
+          </a:bodyPr>
+          <a:lstStyle/>
+          <a:p>
+            <a:r>
+              <a:rPr lang="en-GB" sz="1400" b="1" dirty="0">
+                <a:latin typeface="Arial" panose="020B0604020202020204" pitchFamily="34" charset="0"/>
+                <a:cs typeface="Arial" panose="020B0604020202020204" pitchFamily="34" charset="0"/>
+              </a:rPr>
+              <a:t>Bureau balance/Instalment payment:</a:t>
+            </a:r>
+          </a:p>
+          <a:p>
+            <a:r>
+              <a:rPr lang="en-GB" sz="1400" dirty="0">
+                <a:latin typeface="Arial" panose="020B0604020202020204" pitchFamily="34" charset="0"/>
+                <a:cs typeface="Arial" panose="020B0604020202020204" pitchFamily="34" charset="0"/>
+              </a:rPr>
+              <a:t>- Pas </a:t>
+            </a:r>
+            <a:r>
+              <a:rPr lang="en-GB" sz="1400" dirty="0" err="1">
+                <a:latin typeface="Arial" panose="020B0604020202020204" pitchFamily="34" charset="0"/>
+                <a:cs typeface="Arial" panose="020B0604020202020204" pitchFamily="34" charset="0"/>
+              </a:rPr>
+              <a:t>utilisé</a:t>
+            </a:r>
+            <a:endParaRPr lang="fr-FR" sz="3600" dirty="0">
+              <a:latin typeface="Arial" panose="020B0604020202020204" pitchFamily="34" charset="0"/>
+              <a:cs typeface="Arial" panose="020B0604020202020204" pitchFamily="34" charset="0"/>
+            </a:endParaRPr>
+          </a:p>
+        </p:txBody>
+      </p:sp>
+      <p:sp>
+        <p:nvSpPr>
+          <p:cNvPr id="50" name="TextBox 49">
+            <a:extLst>
+              <a:ext uri="{FF2B5EF4-FFF2-40B4-BE49-F238E27FC236}">
+                <a16:creationId xmlns:a16="http://schemas.microsoft.com/office/drawing/2014/main" id="{F86415C5-7C7D-4D34-A038-672DE4DE1AF5}"/>
+              </a:ext>
+            </a:extLst>
+          </p:cNvPr>
+          <p:cNvSpPr txBox="1"/>
+          <p:nvPr/>
+        </p:nvSpPr>
+        <p:spPr>
+          <a:xfrm>
+            <a:off x="9684196" y="5854253"/>
+            <a:ext cx="1754268" cy="276999"/>
+          </a:xfrm>
+          <a:prstGeom prst="rect">
+            <a:avLst/>
+          </a:prstGeom>
+          <a:noFill/>
+        </p:spPr>
+        <p:txBody>
+          <a:bodyPr wrap="square">
+            <a:spAutoFit/>
+          </a:bodyPr>
+          <a:lstStyle/>
+          <a:p>
+            <a:r>
+              <a:rPr lang="fr-FR" altLang="fr-FR" sz="1200" dirty="0">
+                <a:latin typeface="Arial Black" panose="020B0A04020102020204" pitchFamily="34" charset="0"/>
+              </a:rPr>
+              <a:t>122 COLONNES</a:t>
+            </a:r>
+            <a:endParaRPr lang="fr-FR" sz="1200" dirty="0"/>
           </a:p>
         </p:txBody>
       </p:sp>
@@ -29439,6 +30454,10 @@
           </p:nvPr>
         </p:nvSpPr>
         <p:spPr bwMode="auto">
+          <a:xfrm>
+            <a:off x="8691626" y="6366849"/>
+            <a:ext cx="2743200" cy="365125"/>
+          </a:xfrm>
           <a:noFill/>
           <a:extLst>
             <a:ext uri="{909E8E84-426E-40DD-AFC4-6F175D3DCCD1}">
@@ -33010,6 +34029,74 @@
           </a:p>
         </p:txBody>
       </p:sp>
+      <p:pic>
+        <p:nvPicPr>
+          <p:cNvPr id="38" name="Picture 37">
+            <a:extLst>
+              <a:ext uri="{FF2B5EF4-FFF2-40B4-BE49-F238E27FC236}">
+                <a16:creationId xmlns:a16="http://schemas.microsoft.com/office/drawing/2014/main" id="{0D515FA4-3A9D-4367-AFB7-1BC1A51AB6D5}"/>
+              </a:ext>
+            </a:extLst>
+          </p:cNvPr>
+          <p:cNvPicPr>
+            <a:picLocks noChangeAspect="1"/>
+          </p:cNvPicPr>
+          <p:nvPr/>
+        </p:nvPicPr>
+        <p:blipFill>
+          <a:blip r:embed="rId4"/>
+          <a:stretch>
+            <a:fillRect/>
+          </a:stretch>
+        </p:blipFill>
+        <p:spPr>
+          <a:xfrm>
+            <a:off x="2986342" y="5435148"/>
+            <a:ext cx="2555777" cy="844251"/>
+          </a:xfrm>
+          <a:prstGeom prst="rect">
+            <a:avLst/>
+          </a:prstGeom>
+        </p:spPr>
+      </p:pic>
+      <p:sp>
+        <p:nvSpPr>
+          <p:cNvPr id="39" name="TextBox 38">
+            <a:extLst>
+              <a:ext uri="{FF2B5EF4-FFF2-40B4-BE49-F238E27FC236}">
+                <a16:creationId xmlns:a16="http://schemas.microsoft.com/office/drawing/2014/main" id="{4A2612A3-4ABD-446C-8009-C2A48AF34874}"/>
+              </a:ext>
+            </a:extLst>
+          </p:cNvPr>
+          <p:cNvSpPr txBox="1"/>
+          <p:nvPr/>
+        </p:nvSpPr>
+        <p:spPr>
+          <a:xfrm>
+            <a:off x="9394947" y="5718773"/>
+            <a:ext cx="1754268" cy="276999"/>
+          </a:xfrm>
+          <a:prstGeom prst="rect">
+            <a:avLst/>
+          </a:prstGeom>
+          <a:noFill/>
+        </p:spPr>
+        <p:txBody>
+          <a:bodyPr wrap="square">
+            <a:spAutoFit/>
+          </a:bodyPr>
+          <a:lstStyle/>
+          <a:p>
+            <a:r>
+              <a:rPr lang="fr-FR" altLang="fr-FR" sz="1200" dirty="0">
+                <a:latin typeface="Arial Black" panose="020B0A04020102020204" pitchFamily="34" charset="0"/>
+              </a:rPr>
+              <a:t>59 COLONNES</a:t>
+            </a:r>
+            <a:endParaRPr lang="fr-FR" sz="1200" dirty="0"/>
+          </a:p>
+        </p:txBody>
+      </p:sp>
     </p:spTree>
     <p:extLst>
       <p:ext uri="{BB962C8B-B14F-4D97-AF65-F5344CB8AC3E}">
